--- a/MLP.pptx
+++ b/MLP.pptx
@@ -6,8 +6,9 @@
   </p:sldMasterIdLst>
   <p:sldIdLst>
     <p:sldId id="256" r:id="rId2"/>
-    <p:sldId id="257" r:id="rId3"/>
-    <p:sldId id="258" r:id="rId4"/>
+    <p:sldId id="259" r:id="rId3"/>
+    <p:sldId id="257" r:id="rId4"/>
+    <p:sldId id="258" r:id="rId5"/>
   </p:sldIdLst>
   <p:sldSz cx="12192000" cy="6858000"/>
   <p:notesSz cx="6858000" cy="9144000"/>
@@ -112,6 +113,7 @@
         <p14:section name="MLP là gì" id="{B2FAB83F-F14F-E344-9B3B-559173052974}">
           <p14:sldIdLst>
             <p14:sldId id="256"/>
+            <p14:sldId id="259"/>
           </p14:sldIdLst>
         </p14:section>
         <p14:section name="Ứng dụng MLP" id="{FCE06A1C-EAFD-174D-A919-76048916CD26}">
@@ -3568,6 +3570,271 @@
           <a:chExt cx="0" cy="0"/>
         </a:xfrm>
       </p:grpSpPr>
+      <p:pic>
+        <p:nvPicPr>
+          <p:cNvPr id="1026" name="Picture 2" descr="Multilayer perceptron (MLP) architecture with two hidden layers and one prediction output.">
+            <a:extLst>
+              <a:ext uri="{FF2B5EF4-FFF2-40B4-BE49-F238E27FC236}">
+                <a16:creationId xmlns:a16="http://schemas.microsoft.com/office/drawing/2014/main" id="{BC53C1A9-EA37-E0B9-20CC-076E86CCE191}"/>
+              </a:ext>
+            </a:extLst>
+          </p:cNvPr>
+          <p:cNvPicPr>
+            <a:picLocks noChangeAspect="1" noChangeArrowheads="1"/>
+          </p:cNvPicPr>
+          <p:nvPr/>
+        </p:nvPicPr>
+        <p:blipFill>
+          <a:blip r:embed="rId2">
+            <a:extLst>
+              <a:ext uri="{28A0092B-C50C-407E-A947-70E740481C1C}">
+                <a14:useLocalDpi xmlns:a14="http://schemas.microsoft.com/office/drawing/2010/main" val="0"/>
+              </a:ext>
+            </a:extLst>
+          </a:blip>
+          <a:srcRect/>
+          <a:stretch>
+            <a:fillRect/>
+          </a:stretch>
+        </p:blipFill>
+        <p:spPr bwMode="auto">
+          <a:xfrm>
+            <a:off x="1386444" y="7276"/>
+            <a:ext cx="9419112" cy="5917418"/>
+          </a:xfrm>
+          <a:prstGeom prst="rect">
+            <a:avLst/>
+          </a:prstGeom>
+          <a:noFill/>
+          <a:extLst>
+            <a:ext uri="{909E8E84-426E-40DD-AFC4-6F175D3DCCD1}">
+              <a14:hiddenFill xmlns:a14="http://schemas.microsoft.com/office/drawing/2010/main">
+                <a:solidFill>
+                  <a:srgbClr val="FFFFFF"/>
+                </a:solidFill>
+              </a14:hiddenFill>
+            </a:ext>
+          </a:extLst>
+        </p:spPr>
+      </p:pic>
+      <p:pic>
+        <p:nvPicPr>
+          <p:cNvPr id="1030" name="Picture 6">
+            <a:extLst>
+              <a:ext uri="{FF2B5EF4-FFF2-40B4-BE49-F238E27FC236}">
+                <a16:creationId xmlns:a16="http://schemas.microsoft.com/office/drawing/2014/main" id="{3DF60B66-C6EC-AC78-F27B-6D0511F395ED}"/>
+              </a:ext>
+            </a:extLst>
+          </p:cNvPr>
+          <p:cNvPicPr>
+            <a:picLocks noChangeAspect="1" noChangeArrowheads="1"/>
+          </p:cNvPicPr>
+          <p:nvPr/>
+        </p:nvPicPr>
+        <p:blipFill>
+          <a:blip r:embed="rId3">
+            <a:extLst>
+              <a:ext uri="{28A0092B-C50C-407E-A947-70E740481C1C}">
+                <a14:useLocalDpi xmlns:a14="http://schemas.microsoft.com/office/drawing/2010/main" val="0"/>
+              </a:ext>
+            </a:extLst>
+          </a:blip>
+          <a:srcRect/>
+          <a:stretch>
+            <a:fillRect/>
+          </a:stretch>
+        </p:blipFill>
+        <p:spPr bwMode="auto">
+          <a:xfrm>
+            <a:off x="1565071" y="6138845"/>
+            <a:ext cx="1917700" cy="711200"/>
+          </a:xfrm>
+          <a:prstGeom prst="rect">
+            <a:avLst/>
+          </a:prstGeom>
+          <a:noFill/>
+          <a:extLst>
+            <a:ext uri="{909E8E84-426E-40DD-AFC4-6F175D3DCCD1}">
+              <a14:hiddenFill xmlns:a14="http://schemas.microsoft.com/office/drawing/2010/main">
+                <a:solidFill>
+                  <a:srgbClr val="FFFFFF"/>
+                </a:solidFill>
+              </a14:hiddenFill>
+            </a:ext>
+          </a:extLst>
+        </p:spPr>
+      </p:pic>
+      <p:pic>
+        <p:nvPicPr>
+          <p:cNvPr id="1034" name="Picture 10">
+            <a:extLst>
+              <a:ext uri="{FF2B5EF4-FFF2-40B4-BE49-F238E27FC236}">
+                <a16:creationId xmlns:a16="http://schemas.microsoft.com/office/drawing/2014/main" id="{8D83FE2A-4DA3-FB8D-38D2-1905878DB6FE}"/>
+              </a:ext>
+            </a:extLst>
+          </p:cNvPr>
+          <p:cNvPicPr>
+            <a:picLocks noChangeAspect="1" noChangeArrowheads="1"/>
+          </p:cNvPicPr>
+          <p:nvPr/>
+        </p:nvPicPr>
+        <p:blipFill>
+          <a:blip r:embed="rId4">
+            <a:extLst>
+              <a:ext uri="{28A0092B-C50C-407E-A947-70E740481C1C}">
+                <a14:useLocalDpi xmlns:a14="http://schemas.microsoft.com/office/drawing/2010/main" val="0"/>
+              </a:ext>
+            </a:extLst>
+          </a:blip>
+          <a:srcRect/>
+          <a:stretch>
+            <a:fillRect/>
+          </a:stretch>
+        </p:blipFill>
+        <p:spPr bwMode="auto">
+          <a:xfrm>
+            <a:off x="4240068" y="6146800"/>
+            <a:ext cx="1384300" cy="711200"/>
+          </a:xfrm>
+          <a:prstGeom prst="rect">
+            <a:avLst/>
+          </a:prstGeom>
+          <a:noFill/>
+          <a:extLst>
+            <a:ext uri="{909E8E84-426E-40DD-AFC4-6F175D3DCCD1}">
+              <a14:hiddenFill xmlns:a14="http://schemas.microsoft.com/office/drawing/2010/main">
+                <a:solidFill>
+                  <a:srgbClr val="FFFFFF"/>
+                </a:solidFill>
+              </a14:hiddenFill>
+            </a:ext>
+          </a:extLst>
+        </p:spPr>
+      </p:pic>
+      <p:pic>
+        <p:nvPicPr>
+          <p:cNvPr id="1036" name="Picture 12">
+            <a:extLst>
+              <a:ext uri="{FF2B5EF4-FFF2-40B4-BE49-F238E27FC236}">
+                <a16:creationId xmlns:a16="http://schemas.microsoft.com/office/drawing/2014/main" id="{FB0E2B87-5CFB-478D-8AF3-952A8737D0F8}"/>
+              </a:ext>
+            </a:extLst>
+          </p:cNvPr>
+          <p:cNvPicPr>
+            <a:picLocks noChangeAspect="1" noChangeArrowheads="1"/>
+          </p:cNvPicPr>
+          <p:nvPr/>
+        </p:nvPicPr>
+        <p:blipFill>
+          <a:blip r:embed="rId5">
+            <a:extLst>
+              <a:ext uri="{28A0092B-C50C-407E-A947-70E740481C1C}">
+                <a14:useLocalDpi xmlns:a14="http://schemas.microsoft.com/office/drawing/2010/main" val="0"/>
+              </a:ext>
+            </a:extLst>
+          </a:blip>
+          <a:srcRect/>
+          <a:stretch>
+            <a:fillRect/>
+          </a:stretch>
+        </p:blipFill>
+        <p:spPr bwMode="auto">
+          <a:xfrm>
+            <a:off x="6567634" y="6142493"/>
+            <a:ext cx="1384300" cy="711200"/>
+          </a:xfrm>
+          <a:prstGeom prst="rect">
+            <a:avLst/>
+          </a:prstGeom>
+          <a:noFill/>
+          <a:extLst>
+            <a:ext uri="{909E8E84-426E-40DD-AFC4-6F175D3DCCD1}">
+              <a14:hiddenFill xmlns:a14="http://schemas.microsoft.com/office/drawing/2010/main">
+                <a:solidFill>
+                  <a:srgbClr val="FFFFFF"/>
+                </a:solidFill>
+              </a14:hiddenFill>
+            </a:ext>
+          </a:extLst>
+        </p:spPr>
+      </p:pic>
+      <p:pic>
+        <p:nvPicPr>
+          <p:cNvPr id="1038" name="Picture 14">
+            <a:extLst>
+              <a:ext uri="{FF2B5EF4-FFF2-40B4-BE49-F238E27FC236}">
+                <a16:creationId xmlns:a16="http://schemas.microsoft.com/office/drawing/2014/main" id="{95F46F63-2015-661A-2589-23F86ABB35CE}"/>
+              </a:ext>
+            </a:extLst>
+          </p:cNvPr>
+          <p:cNvPicPr>
+            <a:picLocks noChangeAspect="1" noChangeArrowheads="1"/>
+          </p:cNvPicPr>
+          <p:nvPr/>
+        </p:nvPicPr>
+        <p:blipFill>
+          <a:blip r:embed="rId6">
+            <a:extLst>
+              <a:ext uri="{28A0092B-C50C-407E-A947-70E740481C1C}">
+                <a14:useLocalDpi xmlns:a14="http://schemas.microsoft.com/office/drawing/2010/main" val="0"/>
+              </a:ext>
+            </a:extLst>
+          </a:blip>
+          <a:srcRect/>
+          <a:stretch>
+            <a:fillRect/>
+          </a:stretch>
+        </p:blipFill>
+        <p:spPr bwMode="auto">
+          <a:xfrm>
+            <a:off x="8709231" y="6139524"/>
+            <a:ext cx="2540000" cy="711200"/>
+          </a:xfrm>
+          <a:prstGeom prst="rect">
+            <a:avLst/>
+          </a:prstGeom>
+          <a:noFill/>
+          <a:extLst>
+            <a:ext uri="{909E8E84-426E-40DD-AFC4-6F175D3DCCD1}">
+              <a14:hiddenFill xmlns:a14="http://schemas.microsoft.com/office/drawing/2010/main">
+                <a:solidFill>
+                  <a:srgbClr val="FFFFFF"/>
+                </a:solidFill>
+              </a14:hiddenFill>
+            </a:ext>
+          </a:extLst>
+        </p:spPr>
+      </p:pic>
+    </p:spTree>
+    <p:extLst>
+      <p:ext uri="{BB962C8B-B14F-4D97-AF65-F5344CB8AC3E}">
+        <p14:creationId xmlns:p14="http://schemas.microsoft.com/office/powerpoint/2010/main" val="188233448"/>
+      </p:ext>
+    </p:extLst>
+  </p:cSld>
+  <p:clrMapOvr>
+    <a:masterClrMapping/>
+  </p:clrMapOvr>
+</p:sld>
+</file>
+
+<file path=ppt/slides/slide3.xml><?xml version="1.0" encoding="utf-8"?>
+<p:sld xmlns:a="http://schemas.openxmlformats.org/drawingml/2006/main" xmlns:r="http://schemas.openxmlformats.org/officeDocument/2006/relationships" xmlns:p="http://schemas.openxmlformats.org/presentationml/2006/main">
+  <p:cSld>
+    <p:spTree>
+      <p:nvGrpSpPr>
+        <p:cNvPr id="1" name=""/>
+        <p:cNvGrpSpPr/>
+        <p:nvPr/>
+      </p:nvGrpSpPr>
+      <p:grpSpPr>
+        <a:xfrm>
+          <a:off x="0" y="0"/>
+          <a:ext cx="0" cy="0"/>
+          <a:chOff x="0" y="0"/>
+          <a:chExt cx="0" cy="0"/>
+        </a:xfrm>
+      </p:grpSpPr>
       <p:sp>
         <p:nvSpPr>
           <p:cNvPr id="5" name="TextBox 4">
@@ -3770,7 +4037,7 @@
 </p:sld>
 </file>
 
-<file path=ppt/slides/slide3.xml><?xml version="1.0" encoding="utf-8"?>
+<file path=ppt/slides/slide4.xml><?xml version="1.0" encoding="utf-8"?>
 <p:sld xmlns:a="http://schemas.openxmlformats.org/drawingml/2006/main" xmlns:r="http://schemas.openxmlformats.org/officeDocument/2006/relationships" xmlns:p="http://schemas.openxmlformats.org/presentationml/2006/main">
   <p:cSld>
     <p:spTree>
